--- a/Final_Project/finalProjectclosed_10938038.pptx
+++ b/Final_Project/finalProjectclosed_10938038.pptx
@@ -14279,6 +14279,9 @@
             </a:br>
             <a:r>
               <a:rPr lang="it-IT" sz="1600" dirty="0" err="1">
+                <a:solidFill>
+                  <a:srgbClr val="FF0000"/>
+                </a:solidFill>
                 <a:latin typeface="Calibri"/>
                 <a:cs typeface="Calibri"/>
               </a:rPr>
@@ -14286,6 +14289,9 @@
             </a:r>
             <a:r>
               <a:rPr lang="it-IT" sz="1600" dirty="0">
+                <a:solidFill>
+                  <a:srgbClr val="FF0000"/>
+                </a:solidFill>
                 <a:latin typeface="Calibri"/>
                 <a:cs typeface="Calibri"/>
               </a:rPr>
@@ -14293,6 +14299,9 @@
             </a:r>
             <a:r>
               <a:rPr lang="it-IT" sz="1600" dirty="0" err="1">
+                <a:solidFill>
+                  <a:srgbClr val="FF0000"/>
+                </a:solidFill>
                 <a:latin typeface="Calibri"/>
                 <a:cs typeface="Calibri"/>
               </a:rPr>
@@ -14300,6 +14309,9 @@
             </a:r>
             <a:r>
               <a:rPr lang="it-IT" sz="1600" dirty="0">
+                <a:solidFill>
+                  <a:srgbClr val="FF0000"/>
+                </a:solidFill>
                 <a:latin typeface="Calibri"/>
                 <a:cs typeface="Calibri"/>
               </a:rPr>
@@ -14307,6 +14319,9 @@
             </a:r>
             <a:r>
               <a:rPr lang="it-IT" sz="1600" dirty="0" err="1">
+                <a:solidFill>
+                  <a:srgbClr val="FF0000"/>
+                </a:solidFill>
                 <a:latin typeface="Calibri"/>
                 <a:cs typeface="Calibri"/>
               </a:rPr>
@@ -14314,6 +14329,9 @@
             </a:r>
             <a:r>
               <a:rPr lang="it-IT" sz="1600" dirty="0">
+                <a:solidFill>
+                  <a:srgbClr val="FF0000"/>
+                </a:solidFill>
                 <a:latin typeface="Calibri"/>
                 <a:cs typeface="Calibri"/>
               </a:rPr>
@@ -14321,6 +14339,9 @@
             </a:r>
             <a:r>
               <a:rPr lang="it-IT" sz="1600" dirty="0" err="1">
+                <a:solidFill>
+                  <a:srgbClr val="FF0000"/>
+                </a:solidFill>
                 <a:latin typeface="Calibri"/>
                 <a:cs typeface="Calibri"/>
               </a:rPr>
@@ -14328,6 +14349,9 @@
             </a:r>
             <a:r>
               <a:rPr lang="it-IT" sz="1600" dirty="0">
+                <a:solidFill>
+                  <a:srgbClr val="FF0000"/>
+                </a:solidFill>
                 <a:latin typeface="Calibri"/>
                 <a:cs typeface="Calibri"/>
               </a:rPr>
@@ -14335,6 +14359,9 @@
             </a:r>
             <a:r>
               <a:rPr lang="it-IT" sz="1600" dirty="0" err="1">
+                <a:solidFill>
+                  <a:srgbClr val="FF0000"/>
+                </a:solidFill>
                 <a:latin typeface="Calibri"/>
                 <a:cs typeface="Calibri"/>
               </a:rPr>
@@ -14342,6 +14369,9 @@
             </a:r>
             <a:r>
               <a:rPr lang="it-IT" sz="1600" dirty="0">
+                <a:solidFill>
+                  <a:srgbClr val="FF0000"/>
+                </a:solidFill>
                 <a:latin typeface="Calibri"/>
                 <a:cs typeface="Calibri"/>
               </a:rPr>
@@ -14349,6 +14379,9 @@
             </a:r>
             <a:r>
               <a:rPr lang="it-IT" sz="1600" dirty="0" err="1">
+                <a:solidFill>
+                  <a:srgbClr val="FF0000"/>
+                </a:solidFill>
                 <a:latin typeface="Calibri"/>
                 <a:cs typeface="Calibri"/>
               </a:rPr>
@@ -14356,6 +14389,9 @@
             </a:r>
             <a:r>
               <a:rPr lang="it-IT" sz="1600" dirty="0">
+                <a:solidFill>
+                  <a:srgbClr val="FF0000"/>
+                </a:solidFill>
                 <a:latin typeface="Calibri"/>
                 <a:cs typeface="Calibri"/>
               </a:rPr>
@@ -14363,6 +14399,9 @@
             </a:r>
             <a:r>
               <a:rPr lang="it-IT" sz="1600" dirty="0" err="1">
+                <a:solidFill>
+                  <a:srgbClr val="FF0000"/>
+                </a:solidFill>
                 <a:latin typeface="Calibri"/>
                 <a:cs typeface="Calibri"/>
               </a:rPr>
@@ -14370,6 +14409,9 @@
             </a:r>
             <a:r>
               <a:rPr lang="it-IT" sz="1600" dirty="0">
+                <a:solidFill>
+                  <a:srgbClr val="FF0000"/>
+                </a:solidFill>
                 <a:latin typeface="Calibri"/>
                 <a:cs typeface="Calibri"/>
               </a:rPr>
@@ -14377,6 +14419,9 @@
             </a:r>
             <a:r>
               <a:rPr lang="it-IT" sz="1600" dirty="0" err="1">
+                <a:solidFill>
+                  <a:srgbClr val="FF0000"/>
+                </a:solidFill>
                 <a:latin typeface="Calibri"/>
                 <a:cs typeface="Calibri"/>
               </a:rPr>
@@ -14384,6 +14429,9 @@
             </a:r>
             <a:r>
               <a:rPr lang="it-IT" sz="1600" dirty="0">
+                <a:solidFill>
+                  <a:srgbClr val="FF0000"/>
+                </a:solidFill>
                 <a:latin typeface="Calibri"/>
                 <a:cs typeface="Calibri"/>
               </a:rPr>
@@ -14391,6 +14439,9 @@
             </a:r>
             <a:r>
               <a:rPr lang="it-IT" sz="1600" dirty="0" err="1">
+                <a:solidFill>
+                  <a:srgbClr val="FF0000"/>
+                </a:solidFill>
                 <a:latin typeface="Calibri"/>
                 <a:cs typeface="Calibri"/>
               </a:rPr>
@@ -14398,12 +14449,18 @@
             </a:r>
             <a:r>
               <a:rPr lang="it-IT" sz="1600" dirty="0">
+                <a:solidFill>
+                  <a:srgbClr val="FF0000"/>
+                </a:solidFill>
                 <a:latin typeface="Calibri"/>
                 <a:cs typeface="Calibri"/>
               </a:rPr>
               <a:t> station.</a:t>
             </a:r>
             <a:endParaRPr sz="1600" dirty="0">
+              <a:solidFill>
+                <a:srgbClr val="FF0000"/>
+              </a:solidFill>
               <a:latin typeface="Calibri"/>
               <a:cs typeface="Calibri"/>
             </a:endParaRPr>
@@ -15173,6 +15230,9 @@
             </a:br>
             <a:r>
               <a:rPr lang="it-IT" sz="1600" dirty="0" err="1">
+                <a:solidFill>
+                  <a:srgbClr val="FF0000"/>
+                </a:solidFill>
                 <a:latin typeface="Calibri"/>
                 <a:cs typeface="Calibri"/>
               </a:rPr>
@@ -15180,6 +15240,9 @@
             </a:r>
             <a:r>
               <a:rPr lang="it-IT" sz="1600" dirty="0">
+                <a:solidFill>
+                  <a:srgbClr val="FF0000"/>
+                </a:solidFill>
                 <a:latin typeface="Calibri"/>
                 <a:cs typeface="Calibri"/>
               </a:rPr>
@@ -15187,6 +15250,9 @@
             </a:r>
             <a:r>
               <a:rPr lang="it-IT" sz="1600" dirty="0" err="1">
+                <a:solidFill>
+                  <a:srgbClr val="FF0000"/>
+                </a:solidFill>
                 <a:latin typeface="Calibri"/>
                 <a:cs typeface="Calibri"/>
               </a:rPr>
@@ -15194,6 +15260,9 @@
             </a:r>
             <a:r>
               <a:rPr lang="it-IT" sz="1600" dirty="0">
+                <a:solidFill>
+                  <a:srgbClr val="FF0000"/>
+                </a:solidFill>
                 <a:latin typeface="Calibri"/>
                 <a:cs typeface="Calibri"/>
               </a:rPr>
@@ -15201,6 +15270,9 @@
             </a:r>
             <a:r>
               <a:rPr lang="it-IT" sz="1600" dirty="0" err="1">
+                <a:solidFill>
+                  <a:srgbClr val="FF0000"/>
+                </a:solidFill>
                 <a:latin typeface="Calibri"/>
                 <a:cs typeface="Calibri"/>
               </a:rPr>
@@ -15208,6 +15280,9 @@
             </a:r>
             <a:r>
               <a:rPr lang="it-IT" sz="1600" dirty="0">
+                <a:solidFill>
+                  <a:srgbClr val="FF0000"/>
+                </a:solidFill>
                 <a:latin typeface="Calibri"/>
                 <a:cs typeface="Calibri"/>
               </a:rPr>
@@ -15215,6 +15290,9 @@
             </a:r>
             <a:r>
               <a:rPr lang="it-IT" sz="1600" dirty="0" err="1">
+                <a:solidFill>
+                  <a:srgbClr val="FF0000"/>
+                </a:solidFill>
                 <a:latin typeface="Calibri"/>
                 <a:cs typeface="Calibri"/>
               </a:rPr>
@@ -15222,6 +15300,9 @@
             </a:r>
             <a:r>
               <a:rPr lang="it-IT" sz="1600" dirty="0">
+                <a:solidFill>
+                  <a:srgbClr val="FF0000"/>
+                </a:solidFill>
                 <a:latin typeface="Calibri"/>
                 <a:cs typeface="Calibri"/>
               </a:rPr>
@@ -15229,6 +15310,9 @@
             </a:r>
             <a:r>
               <a:rPr lang="it-IT" sz="1600" dirty="0" err="1">
+                <a:solidFill>
+                  <a:srgbClr val="FF0000"/>
+                </a:solidFill>
                 <a:latin typeface="Calibri"/>
                 <a:cs typeface="Calibri"/>
               </a:rPr>
@@ -15236,6 +15320,9 @@
             </a:r>
             <a:r>
               <a:rPr lang="it-IT" sz="1600" dirty="0">
+                <a:solidFill>
+                  <a:srgbClr val="FF0000"/>
+                </a:solidFill>
                 <a:latin typeface="Calibri"/>
                 <a:cs typeface="Calibri"/>
               </a:rPr>
@@ -15243,6 +15330,9 @@
             </a:r>
             <a:r>
               <a:rPr lang="it-IT" sz="1600" dirty="0" err="1">
+                <a:solidFill>
+                  <a:srgbClr val="FF0000"/>
+                </a:solidFill>
                 <a:latin typeface="Calibri"/>
                 <a:cs typeface="Calibri"/>
               </a:rPr>
@@ -15250,6 +15340,9 @@
             </a:r>
             <a:r>
               <a:rPr lang="it-IT" sz="1600" dirty="0">
+                <a:solidFill>
+                  <a:srgbClr val="FF0000"/>
+                </a:solidFill>
                 <a:latin typeface="Calibri"/>
                 <a:cs typeface="Calibri"/>
               </a:rPr>
@@ -15257,6 +15350,9 @@
             </a:r>
             <a:r>
               <a:rPr lang="it-IT" sz="1600" dirty="0" err="1">
+                <a:solidFill>
+                  <a:srgbClr val="FF0000"/>
+                </a:solidFill>
                 <a:latin typeface="Calibri"/>
                 <a:cs typeface="Calibri"/>
               </a:rPr>
@@ -15264,6 +15360,9 @@
             </a:r>
             <a:r>
               <a:rPr lang="it-IT" sz="1600" dirty="0">
+                <a:solidFill>
+                  <a:srgbClr val="FF0000"/>
+                </a:solidFill>
                 <a:latin typeface="Calibri"/>
                 <a:cs typeface="Calibri"/>
               </a:rPr>
@@ -15271,6 +15370,9 @@
             </a:r>
             <a:r>
               <a:rPr lang="it-IT" sz="1600" dirty="0" err="1">
+                <a:solidFill>
+                  <a:srgbClr val="FF0000"/>
+                </a:solidFill>
                 <a:latin typeface="Calibri"/>
                 <a:cs typeface="Calibri"/>
               </a:rPr>
@@ -15278,6 +15380,9 @@
             </a:r>
             <a:r>
               <a:rPr lang="it-IT" sz="1600" dirty="0">
+                <a:solidFill>
+                  <a:srgbClr val="FF0000"/>
+                </a:solidFill>
                 <a:latin typeface="Calibri"/>
                 <a:cs typeface="Calibri"/>
               </a:rPr>
@@ -15285,6 +15390,9 @@
             </a:r>
             <a:r>
               <a:rPr lang="it-IT" sz="1600" dirty="0" err="1">
+                <a:solidFill>
+                  <a:srgbClr val="FF0000"/>
+                </a:solidFill>
                 <a:latin typeface="Calibri"/>
                 <a:cs typeface="Calibri"/>
               </a:rPr>
@@ -15292,12 +15400,18 @@
             </a:r>
             <a:r>
               <a:rPr lang="it-IT" sz="1600" dirty="0">
+                <a:solidFill>
+                  <a:srgbClr val="FF0000"/>
+                </a:solidFill>
                 <a:latin typeface="Calibri"/>
                 <a:cs typeface="Calibri"/>
               </a:rPr>
               <a:t> station.</a:t>
             </a:r>
             <a:endParaRPr sz="1600" dirty="0">
+              <a:solidFill>
+                <a:srgbClr val="FF0000"/>
+              </a:solidFill>
               <a:latin typeface="Calibri"/>
               <a:cs typeface="Calibri"/>
             </a:endParaRPr>
@@ -17899,10 +18013,10 @@
       </p:sp>
       <p:pic>
         <p:nvPicPr>
-          <p:cNvPr id="8" name="Picture 7" descr="A graph with colorful lines and text&#10;&#10;Description automatically generated">
+          <p:cNvPr id="9" name="Picture 8" descr="A graph of audio editing&#10;&#10;Description automatically generated">
             <a:extLst>
               <a:ext uri="{FF2B5EF4-FFF2-40B4-BE49-F238E27FC236}">
-                <a16:creationId xmlns:a16="http://schemas.microsoft.com/office/drawing/2014/main" id="{DB6E09A3-5C5C-AC25-8BD3-66B1EE1405C2}"/>
+                <a16:creationId xmlns:a16="http://schemas.microsoft.com/office/drawing/2014/main" id="{3048EC97-F889-4497-3714-0F2261A1218B}"/>
               </a:ext>
             </a:extLst>
           </p:cNvPr>
@@ -17925,8 +18039,8 @@
         </p:blipFill>
         <p:spPr>
           <a:xfrm>
-            <a:off x="3886200" y="1905000"/>
-            <a:ext cx="4601217" cy="3867690"/>
+            <a:off x="4051147" y="1981200"/>
+            <a:ext cx="4467849" cy="3753374"/>
           </a:xfrm>
           <a:prstGeom prst="rect">
             <a:avLst/>
@@ -18452,10 +18566,10 @@
       </p:sp>
       <p:pic>
         <p:nvPicPr>
-          <p:cNvPr id="8" name="Picture 7" descr="A graph with colored lines&#10;&#10;Description automatically generated">
+          <p:cNvPr id="9" name="Picture 8" descr="A graph of a video editing trace&#10;&#10;Description automatically generated">
             <a:extLst>
               <a:ext uri="{FF2B5EF4-FFF2-40B4-BE49-F238E27FC236}">
-                <a16:creationId xmlns:a16="http://schemas.microsoft.com/office/drawing/2014/main" id="{CCBABA7E-66DC-7841-FD54-C99717D5943C}"/>
+                <a16:creationId xmlns:a16="http://schemas.microsoft.com/office/drawing/2014/main" id="{6D263D4D-F2C9-0016-D86F-45C89C82A8F8}"/>
               </a:ext>
             </a:extLst>
           </p:cNvPr>
@@ -18478,8 +18592,8 @@
         </p:blipFill>
         <p:spPr>
           <a:xfrm>
-            <a:off x="3962400" y="1905000"/>
-            <a:ext cx="4601217" cy="3858163"/>
+            <a:off x="4051147" y="1981200"/>
+            <a:ext cx="4639322" cy="3753374"/>
           </a:xfrm>
           <a:prstGeom prst="rect">
             <a:avLst/>
@@ -19010,10 +19124,10 @@
       </p:sp>
       <p:pic>
         <p:nvPicPr>
-          <p:cNvPr id="8" name="Picture 7" descr="A graph with different colored lines&#10;&#10;Description automatically generated">
+          <p:cNvPr id="9" name="Picture 8" descr="A graph with different colored lines&#10;&#10;Description automatically generated">
             <a:extLst>
               <a:ext uri="{FF2B5EF4-FFF2-40B4-BE49-F238E27FC236}">
-                <a16:creationId xmlns:a16="http://schemas.microsoft.com/office/drawing/2014/main" id="{C6756B1A-3123-1782-FD0E-5B5535DB300E}"/>
+                <a16:creationId xmlns:a16="http://schemas.microsoft.com/office/drawing/2014/main" id="{5FFDB7B2-3ACA-2D65-D285-01AA55CAF8CD}"/>
               </a:ext>
             </a:extLst>
           </p:cNvPr>
@@ -19037,7 +19151,7 @@
         <p:spPr>
           <a:xfrm>
             <a:off x="4051147" y="1981200"/>
-            <a:ext cx="4572638" cy="3743847"/>
+            <a:ext cx="4515480" cy="3772426"/>
           </a:xfrm>
           <a:prstGeom prst="rect">
             <a:avLst/>
@@ -19568,10 +19682,10 @@
       </p:sp>
       <p:pic>
         <p:nvPicPr>
-          <p:cNvPr id="8" name="Picture 7" descr="A graph of compositing trace&#10;&#10;Description automatically generated">
+          <p:cNvPr id="9" name="Picture 8" descr="A graph of composting trace&#10;&#10;Description automatically generated">
             <a:extLst>
               <a:ext uri="{FF2B5EF4-FFF2-40B4-BE49-F238E27FC236}">
-                <a16:creationId xmlns:a16="http://schemas.microsoft.com/office/drawing/2014/main" id="{8EDFE072-0993-FCB4-72FA-9A409EE6F745}"/>
+                <a16:creationId xmlns:a16="http://schemas.microsoft.com/office/drawing/2014/main" id="{142B81FC-00B5-3449-6BCC-14FA0C3B1E04}"/>
               </a:ext>
             </a:extLst>
           </p:cNvPr>
@@ -19594,8 +19708,8 @@
         </p:blipFill>
         <p:spPr>
           <a:xfrm>
-            <a:off x="4051147" y="1981200"/>
-            <a:ext cx="4553585" cy="3696216"/>
+            <a:off x="4191000" y="1981200"/>
+            <a:ext cx="4572638" cy="3781953"/>
           </a:xfrm>
           <a:prstGeom prst="rect">
             <a:avLst/>
